--- a/Hybrid Search Mid-point Presentation.pptx
+++ b/Hybrid Search Mid-point Presentation.pptx
@@ -2319,21 +2319,21 @@
     </dgm:pt>
   </dgm:ptLst>
   <dgm:cxnLst>
+    <dgm:cxn modelId="{66D10D89-90C6-4D3D-B022-615F34E0F6A8}" type="presOf" srcId="{B8060F7B-9920-4F24-BE71-F0E4E3B7B934}" destId="{B0C37B97-914B-49F2-84E5-94B39EF2352F}" srcOrd="0" destOrd="0" presId="urn:microsoft.com/office/officeart/2005/8/layout/radial6"/>
+    <dgm:cxn modelId="{EB3E6C57-F560-450F-B619-F6F67905927D}" srcId="{AA38CBC9-AC6B-457D-9F63-4D1AB8E7793E}" destId="{87E6D3C0-9C36-4C9B-9EE4-FCB2F172CF62}" srcOrd="1" destOrd="0" parTransId="{1916856A-C084-48E2-AF18-70269AD79DF2}" sibTransId="{5C1F42F6-070E-4EBA-8EBC-C32D27C49363}"/>
+    <dgm:cxn modelId="{487B127C-E0EE-48AC-AACB-3F827CA01E94}" type="presOf" srcId="{20EB584B-A7B7-43D9-BF6A-2C9338C05B4D}" destId="{29DFD080-5F1B-4B82-A3B2-DA9D6DF3694E}" srcOrd="0" destOrd="0" presId="urn:microsoft.com/office/officeart/2005/8/layout/radial6"/>
+    <dgm:cxn modelId="{5F25D665-3021-461A-AA8B-FC4CA49A8593}" type="presOf" srcId="{87E6D3C0-9C36-4C9B-9EE4-FCB2F172CF62}" destId="{1C226D9E-C8BD-43C0-B5A7-66592C02513E}" srcOrd="0" destOrd="0" presId="urn:microsoft.com/office/officeart/2005/8/layout/radial6"/>
+    <dgm:cxn modelId="{63BD5587-3071-4797-BB80-7C21100AAD79}" type="presOf" srcId="{03860152-2A6F-476F-91FD-CBA9D7B26338}" destId="{FADEA337-AD34-4422-B53A-01423AF1AC8F}" srcOrd="0" destOrd="0" presId="urn:microsoft.com/office/officeart/2005/8/layout/radial6"/>
+    <dgm:cxn modelId="{FBE6BCEA-0F85-486D-B532-D55CCA25A01D}" srcId="{AA38CBC9-AC6B-457D-9F63-4D1AB8E7793E}" destId="{20EB584B-A7B7-43D9-BF6A-2C9338C05B4D}" srcOrd="2" destOrd="0" parTransId="{6E0D28F6-A05C-413F-A991-03D9F094F998}" sibTransId="{B04B74A7-039D-46F2-A30E-0D07E04CAE1A}"/>
+    <dgm:cxn modelId="{213B572F-3D42-4865-8468-2B23B55DDDF6}" type="presOf" srcId="{775D1C29-7B88-46A3-9FAD-95EFDC006E81}" destId="{65DE7562-7D1C-4B0F-8927-12F8E6C5F5AF}" srcOrd="0" destOrd="0" presId="urn:microsoft.com/office/officeart/2005/8/layout/radial6"/>
+    <dgm:cxn modelId="{50E3B5F1-6595-4ED9-B849-AA5F6C21B078}" type="presOf" srcId="{AA38CBC9-AC6B-457D-9F63-4D1AB8E7793E}" destId="{D2BB9C9C-582A-4226-99A2-A6A4B7AD887A}" srcOrd="0" destOrd="0" presId="urn:microsoft.com/office/officeart/2005/8/layout/radial6"/>
+    <dgm:cxn modelId="{9F2E5EDD-E3E4-45F7-937A-24FDB14700F0}" type="presOf" srcId="{50789F86-D3CE-4C0B-B830-60161BD38E85}" destId="{0B9D5D8D-AE9B-4E3C-8081-7E5A4C702F02}" srcOrd="0" destOrd="0" presId="urn:microsoft.com/office/officeart/2005/8/layout/radial6"/>
+    <dgm:cxn modelId="{1593062C-A63F-4042-94C9-FF0880BD82E8}" srcId="{AA38CBC9-AC6B-457D-9F63-4D1AB8E7793E}" destId="{50789F86-D3CE-4C0B-B830-60161BD38E85}" srcOrd="0" destOrd="0" parTransId="{6D6B568F-9C4B-44DB-A886-035491FEC9C2}" sibTransId="{775D1C29-7B88-46A3-9FAD-95EFDC006E81}"/>
     <dgm:cxn modelId="{B0853F4E-0D10-4453-BA0F-87D700E6FDEE}" type="presOf" srcId="{7E2B8B4E-293F-43EE-AB7D-6598814ECB3C}" destId="{B3F8C3C3-65FB-486F-82C0-A8478B7022B9}" srcOrd="0" destOrd="0" presId="urn:microsoft.com/office/officeart/2005/8/layout/radial6"/>
+    <dgm:cxn modelId="{F68BA8B4-E5E5-4A12-9338-5CF5693ADCA2}" srcId="{B8060F7B-9920-4F24-BE71-F0E4E3B7B934}" destId="{AA38CBC9-AC6B-457D-9F63-4D1AB8E7793E}" srcOrd="0" destOrd="0" parTransId="{02DFC051-974F-4AF1-85DB-FFF5F1CCD57A}" sibTransId="{7ACF197E-8A7D-4D14-A941-EE15BE87306C}"/>
+    <dgm:cxn modelId="{3E929F04-D66A-4ADD-A218-BA7B4D2C65EC}" type="presOf" srcId="{B04B74A7-039D-46F2-A30E-0D07E04CAE1A}" destId="{53B5DF5F-8B8B-41EF-8531-276CBECDCAB4}" srcOrd="0" destOrd="0" presId="urn:microsoft.com/office/officeart/2005/8/layout/radial6"/>
+    <dgm:cxn modelId="{18D120E8-5826-42E7-A890-F4AFB63D3D78}" srcId="{AA38CBC9-AC6B-457D-9F63-4D1AB8E7793E}" destId="{7E2B8B4E-293F-43EE-AB7D-6598814ECB3C}" srcOrd="3" destOrd="0" parTransId="{C9A52CF1-B2E8-4848-8964-6633294F16CC}" sibTransId="{03860152-2A6F-476F-91FD-CBA9D7B26338}"/>
     <dgm:cxn modelId="{D34E2ED8-ECCD-4FDF-AE76-C792B052F77C}" type="presOf" srcId="{5C1F42F6-070E-4EBA-8EBC-C32D27C49363}" destId="{22CB3940-637A-4C32-AB7F-CFAD929A59AB}" srcOrd="0" destOrd="0" presId="urn:microsoft.com/office/officeart/2005/8/layout/radial6"/>
-    <dgm:cxn modelId="{63BD5587-3071-4797-BB80-7C21100AAD79}" type="presOf" srcId="{03860152-2A6F-476F-91FD-CBA9D7B26338}" destId="{FADEA337-AD34-4422-B53A-01423AF1AC8F}" srcOrd="0" destOrd="0" presId="urn:microsoft.com/office/officeart/2005/8/layout/radial6"/>
-    <dgm:cxn modelId="{18D120E8-5826-42E7-A890-F4AFB63D3D78}" srcId="{AA38CBC9-AC6B-457D-9F63-4D1AB8E7793E}" destId="{7E2B8B4E-293F-43EE-AB7D-6598814ECB3C}" srcOrd="3" destOrd="0" parTransId="{C9A52CF1-B2E8-4848-8964-6633294F16CC}" sibTransId="{03860152-2A6F-476F-91FD-CBA9D7B26338}"/>
-    <dgm:cxn modelId="{50E3B5F1-6595-4ED9-B849-AA5F6C21B078}" type="presOf" srcId="{AA38CBC9-AC6B-457D-9F63-4D1AB8E7793E}" destId="{D2BB9C9C-582A-4226-99A2-A6A4B7AD887A}" srcOrd="0" destOrd="0" presId="urn:microsoft.com/office/officeart/2005/8/layout/radial6"/>
-    <dgm:cxn modelId="{213B572F-3D42-4865-8468-2B23B55DDDF6}" type="presOf" srcId="{775D1C29-7B88-46A3-9FAD-95EFDC006E81}" destId="{65DE7562-7D1C-4B0F-8927-12F8E6C5F5AF}" srcOrd="0" destOrd="0" presId="urn:microsoft.com/office/officeart/2005/8/layout/radial6"/>
-    <dgm:cxn modelId="{5F25D665-3021-461A-AA8B-FC4CA49A8593}" type="presOf" srcId="{87E6D3C0-9C36-4C9B-9EE4-FCB2F172CF62}" destId="{1C226D9E-C8BD-43C0-B5A7-66592C02513E}" srcOrd="0" destOrd="0" presId="urn:microsoft.com/office/officeart/2005/8/layout/radial6"/>
-    <dgm:cxn modelId="{3E929F04-D66A-4ADD-A218-BA7B4D2C65EC}" type="presOf" srcId="{B04B74A7-039D-46F2-A30E-0D07E04CAE1A}" destId="{53B5DF5F-8B8B-41EF-8531-276CBECDCAB4}" srcOrd="0" destOrd="0" presId="urn:microsoft.com/office/officeart/2005/8/layout/radial6"/>
-    <dgm:cxn modelId="{9F2E5EDD-E3E4-45F7-937A-24FDB14700F0}" type="presOf" srcId="{50789F86-D3CE-4C0B-B830-60161BD38E85}" destId="{0B9D5D8D-AE9B-4E3C-8081-7E5A4C702F02}" srcOrd="0" destOrd="0" presId="urn:microsoft.com/office/officeart/2005/8/layout/radial6"/>
-    <dgm:cxn modelId="{FBE6BCEA-0F85-486D-B532-D55CCA25A01D}" srcId="{AA38CBC9-AC6B-457D-9F63-4D1AB8E7793E}" destId="{20EB584B-A7B7-43D9-BF6A-2C9338C05B4D}" srcOrd="2" destOrd="0" parTransId="{6E0D28F6-A05C-413F-A991-03D9F094F998}" sibTransId="{B04B74A7-039D-46F2-A30E-0D07E04CAE1A}"/>
-    <dgm:cxn modelId="{1593062C-A63F-4042-94C9-FF0880BD82E8}" srcId="{AA38CBC9-AC6B-457D-9F63-4D1AB8E7793E}" destId="{50789F86-D3CE-4C0B-B830-60161BD38E85}" srcOrd="0" destOrd="0" parTransId="{6D6B568F-9C4B-44DB-A886-035491FEC9C2}" sibTransId="{775D1C29-7B88-46A3-9FAD-95EFDC006E81}"/>
-    <dgm:cxn modelId="{F68BA8B4-E5E5-4A12-9338-5CF5693ADCA2}" srcId="{B8060F7B-9920-4F24-BE71-F0E4E3B7B934}" destId="{AA38CBC9-AC6B-457D-9F63-4D1AB8E7793E}" srcOrd="0" destOrd="0" parTransId="{02DFC051-974F-4AF1-85DB-FFF5F1CCD57A}" sibTransId="{7ACF197E-8A7D-4D14-A941-EE15BE87306C}"/>
-    <dgm:cxn modelId="{EB3E6C57-F560-450F-B619-F6F67905927D}" srcId="{AA38CBC9-AC6B-457D-9F63-4D1AB8E7793E}" destId="{87E6D3C0-9C36-4C9B-9EE4-FCB2F172CF62}" srcOrd="1" destOrd="0" parTransId="{1916856A-C084-48E2-AF18-70269AD79DF2}" sibTransId="{5C1F42F6-070E-4EBA-8EBC-C32D27C49363}"/>
-    <dgm:cxn modelId="{66D10D89-90C6-4D3D-B022-615F34E0F6A8}" type="presOf" srcId="{B8060F7B-9920-4F24-BE71-F0E4E3B7B934}" destId="{B0C37B97-914B-49F2-84E5-94B39EF2352F}" srcOrd="0" destOrd="0" presId="urn:microsoft.com/office/officeart/2005/8/layout/radial6"/>
-    <dgm:cxn modelId="{487B127C-E0EE-48AC-AACB-3F827CA01E94}" type="presOf" srcId="{20EB584B-A7B7-43D9-BF6A-2C9338C05B4D}" destId="{29DFD080-5F1B-4B82-A3B2-DA9D6DF3694E}" srcOrd="0" destOrd="0" presId="urn:microsoft.com/office/officeart/2005/8/layout/radial6"/>
     <dgm:cxn modelId="{F8374B3E-B514-46DF-94C4-AF94CDD1D72A}" type="presParOf" srcId="{B0C37B97-914B-49F2-84E5-94B39EF2352F}" destId="{D2BB9C9C-582A-4226-99A2-A6A4B7AD887A}" srcOrd="0" destOrd="0" presId="urn:microsoft.com/office/officeart/2005/8/layout/radial6"/>
     <dgm:cxn modelId="{B24EE426-834F-4DD6-9375-8641C6E734A6}" type="presParOf" srcId="{B0C37B97-914B-49F2-84E5-94B39EF2352F}" destId="{0B9D5D8D-AE9B-4E3C-8081-7E5A4C702F02}" srcOrd="1" destOrd="0" presId="urn:microsoft.com/office/officeart/2005/8/layout/radial6"/>
     <dgm:cxn modelId="{57EC5C98-3760-48A4-BD0C-E28EDE5F22FF}" type="presParOf" srcId="{B0C37B97-914B-49F2-84E5-94B39EF2352F}" destId="{E8755371-EE00-4D9C-9546-B5D2DEB3691D}" srcOrd="2" destOrd="0" presId="urn:microsoft.com/office/officeart/2005/8/layout/radial6"/>
@@ -2352,7 +2352,7 @@
   <dgm:whole/>
   <dgm:extLst>
     <a:ext uri="http://schemas.microsoft.com/office/drawing/2008/diagram">
-      <dsp:dataModelExt xmlns:dsp="http://schemas.microsoft.com/office/drawing/2008/diagram" relId="rId6" minVer="http://schemas.openxmlformats.org/drawingml/2006/diagram"/>
+      <dsp:dataModelExt xmlns:dsp="http://schemas.microsoft.com/office/drawing/2008/diagram" relId="rId7" minVer="http://schemas.openxmlformats.org/drawingml/2006/diagram"/>
     </a:ext>
   </dgm:extLst>
 </dgm:dataModel>
@@ -4467,7 +4467,7 @@
           <a:p>
             <a:fld id="{24CE221E-83ED-4F6C-BA5F-3F9E6FDB6953}" type="datetimeFigureOut">
               <a:rPr lang="en-US"/>
-              <a:t>6/5/2018</a:t>
+              <a:t>6/8/2018</a:t>
             </a:fld>
             <a:endParaRPr/>
           </a:p>
@@ -4632,7 +4632,7 @@
           <a:p>
             <a:fld id="{97853E5F-CE67-483C-A264-F17AC70E9CA2}" type="datetimeFigureOut">
               <a:rPr lang="en-US"/>
-              <a:t>6/5/2018</a:t>
+              <a:t>6/8/2018</a:t>
             </a:fld>
             <a:endParaRPr/>
           </a:p>
@@ -5129,7 +5129,7 @@
           <a:p>
             <a:fld id="{3E0FA9E5-6744-4841-888F-9E7CC0C2B7EC}" type="datetimeFigureOut">
               <a:rPr lang="en-US"/>
-              <a:t>6/5/2018</a:t>
+              <a:t>6/8/2018</a:t>
             </a:fld>
             <a:endParaRPr/>
           </a:p>
@@ -5315,7 +5315,7 @@
           <a:p>
             <a:fld id="{3E0FA9E5-6744-4841-888F-9E7CC0C2B7EC}" type="datetimeFigureOut">
               <a:rPr lang="en-US"/>
-              <a:t>6/5/2018</a:t>
+              <a:t>6/8/2018</a:t>
             </a:fld>
             <a:endParaRPr/>
           </a:p>
@@ -5511,7 +5511,7 @@
           <a:p>
             <a:fld id="{3E0FA9E5-6744-4841-888F-9E7CC0C2B7EC}" type="datetimeFigureOut">
               <a:rPr lang="en-US"/>
-              <a:t>6/5/2018</a:t>
+              <a:t>6/8/2018</a:t>
             </a:fld>
             <a:endParaRPr/>
           </a:p>
@@ -5697,7 +5697,7 @@
           <a:p>
             <a:fld id="{3E0FA9E5-6744-4841-888F-9E7CC0C2B7EC}" type="datetimeFigureOut">
               <a:rPr lang="en-US"/>
-              <a:t>6/5/2018</a:t>
+              <a:t>6/8/2018</a:t>
             </a:fld>
             <a:endParaRPr/>
           </a:p>
@@ -5981,7 +5981,7 @@
           <a:p>
             <a:fld id="{3E0FA9E5-6744-4841-888F-9E7CC0C2B7EC}" type="datetimeFigureOut">
               <a:rPr lang="en-US"/>
-              <a:t>6/5/2018</a:t>
+              <a:t>6/8/2018</a:t>
             </a:fld>
             <a:endParaRPr/>
           </a:p>
@@ -6289,7 +6289,7 @@
           <a:p>
             <a:fld id="{3E0FA9E5-6744-4841-888F-9E7CC0C2B7EC}" type="datetimeFigureOut">
               <a:rPr lang="en-US"/>
-              <a:t>6/5/2018</a:t>
+              <a:t>6/8/2018</a:t>
             </a:fld>
             <a:endParaRPr/>
           </a:p>
@@ -6741,7 +6741,7 @@
           <a:p>
             <a:fld id="{3E0FA9E5-6744-4841-888F-9E7CC0C2B7EC}" type="datetimeFigureOut">
               <a:rPr lang="en-US"/>
-              <a:t>6/5/2018</a:t>
+              <a:t>6/8/2018</a:t>
             </a:fld>
             <a:endParaRPr/>
           </a:p>
@@ -6875,7 +6875,7 @@
           <a:p>
             <a:fld id="{3E0FA9E5-6744-4841-888F-9E7CC0C2B7EC}" type="datetimeFigureOut">
               <a:rPr lang="en-US"/>
-              <a:t>6/5/2018</a:t>
+              <a:t>6/8/2018</a:t>
             </a:fld>
             <a:endParaRPr/>
           </a:p>
@@ -7000,7 +7000,7 @@
           <a:p>
             <a:fld id="{3E0FA9E5-6744-4841-888F-9E7CC0C2B7EC}" type="datetimeFigureOut">
               <a:rPr lang="en-US"/>
-              <a:t>6/5/2018</a:t>
+              <a:t>6/8/2018</a:t>
             </a:fld>
             <a:endParaRPr/>
           </a:p>
@@ -7326,7 +7326,7 @@
           <a:p>
             <a:fld id="{3E0FA9E5-6744-4841-888F-9E7CC0C2B7EC}" type="datetimeFigureOut">
               <a:rPr lang="en-US"/>
-              <a:t>6/5/2018</a:t>
+              <a:t>6/8/2018</a:t>
             </a:fld>
             <a:endParaRPr/>
           </a:p>
@@ -7823,7 +7823,7 @@
             <a:fld id="{3E0FA9E5-6744-4841-888F-9E7CC0C2B7EC}" type="datetimeFigureOut">
               <a:rPr lang="en-US" smtClean="0"/>
               <a:pPr/>
-              <a:t>6/5/2018</a:t>
+              <a:t>6/8/2018</a:t>
             </a:fld>
             <a:endParaRPr lang="en-US" dirty="0"/>
           </a:p>
@@ -8887,6 +8887,9 @@
         </p:txBody>
       </p:sp>
     </p:spTree>
+    <p:custDataLst>
+      <p:tags r:id="rId1"/>
+    </p:custDataLst>
     <p:extLst>
       <p:ext uri="{BB962C8B-B14F-4D97-AF65-F5344CB8AC3E}">
         <p14:creationId xmlns:p14="http://schemas.microsoft.com/office/powerpoint/2010/main" val="4224210779"/>
@@ -8982,6 +8985,9 @@
         </p:txBody>
       </p:sp>
     </p:spTree>
+    <p:custDataLst>
+      <p:tags r:id="rId1"/>
+    </p:custDataLst>
     <p:extLst>
       <p:ext uri="{BB962C8B-B14F-4D97-AF65-F5344CB8AC3E}">
         <p14:creationId xmlns:p14="http://schemas.microsoft.com/office/powerpoint/2010/main" val="2600559644"/>
@@ -9669,11 +9675,14 @@
         </p:xfrm>
         <a:graphic>
           <a:graphicData uri="http://schemas.openxmlformats.org/drawingml/2006/diagram">
-            <dgm:relIds xmlns:dgm="http://schemas.openxmlformats.org/drawingml/2006/diagram" xmlns:r="http://schemas.openxmlformats.org/officeDocument/2006/relationships" r:dm="rId2" r:lo="rId3" r:qs="rId4" r:cs="rId5"/>
+            <dgm:relIds xmlns:dgm="http://schemas.openxmlformats.org/drawingml/2006/diagram" xmlns:r="http://schemas.openxmlformats.org/officeDocument/2006/relationships" r:dm="rId3" r:lo="rId4" r:qs="rId5" r:cs="rId6"/>
           </a:graphicData>
         </a:graphic>
       </p:graphicFrame>
     </p:spTree>
+    <p:custDataLst>
+      <p:tags r:id="rId1"/>
+    </p:custDataLst>
     <p:extLst>
       <p:ext uri="{BB962C8B-B14F-4D97-AF65-F5344CB8AC3E}">
         <p14:creationId xmlns:p14="http://schemas.microsoft.com/office/powerpoint/2010/main" val="101088030"/>
@@ -9757,6 +9766,9 @@
         </p:txBody>
       </p:sp>
     </p:spTree>
+    <p:custDataLst>
+      <p:tags r:id="rId1"/>
+    </p:custDataLst>
     <p:extLst>
       <p:ext uri="{BB962C8B-B14F-4D97-AF65-F5344CB8AC3E}">
         <p14:creationId xmlns:p14="http://schemas.microsoft.com/office/powerpoint/2010/main" val="4131172139"/>
@@ -9897,6 +9909,9 @@
         </p:txBody>
       </p:sp>
     </p:spTree>
+    <p:custDataLst>
+      <p:tags r:id="rId1"/>
+    </p:custDataLst>
     <p:extLst>
       <p:ext uri="{BB962C8B-B14F-4D97-AF65-F5344CB8AC3E}">
         <p14:creationId xmlns:p14="http://schemas.microsoft.com/office/powerpoint/2010/main" val="83189735"/>
@@ -9961,6 +9976,9 @@
         </p:txBody>
       </p:sp>
     </p:spTree>
+    <p:custDataLst>
+      <p:tags r:id="rId1"/>
+    </p:custDataLst>
     <p:extLst>
       <p:ext uri="{BB962C8B-B14F-4D97-AF65-F5344CB8AC3E}">
         <p14:creationId xmlns:p14="http://schemas.microsoft.com/office/powerpoint/2010/main" val="1689064566"/>
@@ -10003,6 +10021,9 @@
         </a:xfrm>
       </p:grpSpPr>
     </p:spTree>
+    <p:custDataLst>
+      <p:tags r:id="rId1"/>
+    </p:custDataLst>
     <p:extLst>
       <p:ext uri="{BB962C8B-B14F-4D97-AF65-F5344CB8AC3E}">
         <p14:creationId xmlns:p14="http://schemas.microsoft.com/office/powerpoint/2010/main" val="1641407705"/>
@@ -10034,6 +10055,20 @@
 </p:tagLst>
 </file>
 
+<file path=ppt/tags/tag10.xml><?xml version="1.0" encoding="utf-8"?>
+<p:tagLst xmlns:a="http://schemas.openxmlformats.org/drawingml/2006/main" xmlns:r="http://schemas.openxmlformats.org/officeDocument/2006/relationships" xmlns:p="http://schemas.openxmlformats.org/presentationml/2006/main">
+  <p:tag name="POINTS" val="1"/>
+  <p:tag name="TIME" val="15"/>
+</p:tagLst>
+</file>
+
+<file path=ppt/tags/tag11.xml><?xml version="1.0" encoding="utf-8"?>
+<p:tagLst xmlns:a="http://schemas.openxmlformats.org/drawingml/2006/main" xmlns:r="http://schemas.openxmlformats.org/officeDocument/2006/relationships" xmlns:p="http://schemas.openxmlformats.org/presentationml/2006/main">
+  <p:tag name="POINTS" val="1"/>
+  <p:tag name="TIME" val="15"/>
+</p:tagLst>
+</file>
+
 <file path=ppt/tags/tag2.xml><?xml version="1.0" encoding="utf-8"?>
 <p:tagLst xmlns:a="http://schemas.openxmlformats.org/drawingml/2006/main" xmlns:r="http://schemas.openxmlformats.org/officeDocument/2006/relationships" xmlns:p="http://schemas.openxmlformats.org/presentationml/2006/main">
   <p:tag name="POINTS" val="1"/>
@@ -10049,6 +10084,41 @@
 </file>
 
 <file path=ppt/tags/tag4.xml><?xml version="1.0" encoding="utf-8"?>
+<p:tagLst xmlns:a="http://schemas.openxmlformats.org/drawingml/2006/main" xmlns:r="http://schemas.openxmlformats.org/officeDocument/2006/relationships" xmlns:p="http://schemas.openxmlformats.org/presentationml/2006/main">
+  <p:tag name="POINTS" val="1"/>
+  <p:tag name="TIME" val="15"/>
+</p:tagLst>
+</file>
+
+<file path=ppt/tags/tag5.xml><?xml version="1.0" encoding="utf-8"?>
+<p:tagLst xmlns:a="http://schemas.openxmlformats.org/drawingml/2006/main" xmlns:r="http://schemas.openxmlformats.org/officeDocument/2006/relationships" xmlns:p="http://schemas.openxmlformats.org/presentationml/2006/main">
+  <p:tag name="POINTS" val="1"/>
+  <p:tag name="TIME" val="15"/>
+</p:tagLst>
+</file>
+
+<file path=ppt/tags/tag6.xml><?xml version="1.0" encoding="utf-8"?>
+<p:tagLst xmlns:a="http://schemas.openxmlformats.org/drawingml/2006/main" xmlns:r="http://schemas.openxmlformats.org/officeDocument/2006/relationships" xmlns:p="http://schemas.openxmlformats.org/presentationml/2006/main">
+  <p:tag name="POINTS" val="1"/>
+  <p:tag name="TIME" val="15"/>
+</p:tagLst>
+</file>
+
+<file path=ppt/tags/tag7.xml><?xml version="1.0" encoding="utf-8"?>
+<p:tagLst xmlns:a="http://schemas.openxmlformats.org/drawingml/2006/main" xmlns:r="http://schemas.openxmlformats.org/officeDocument/2006/relationships" xmlns:p="http://schemas.openxmlformats.org/presentationml/2006/main">
+  <p:tag name="POINTS" val="1"/>
+  <p:tag name="TIME" val="15"/>
+</p:tagLst>
+</file>
+
+<file path=ppt/tags/tag8.xml><?xml version="1.0" encoding="utf-8"?>
+<p:tagLst xmlns:a="http://schemas.openxmlformats.org/drawingml/2006/main" xmlns:r="http://schemas.openxmlformats.org/officeDocument/2006/relationships" xmlns:p="http://schemas.openxmlformats.org/presentationml/2006/main">
+  <p:tag name="POINTS" val="1"/>
+  <p:tag name="TIME" val="15"/>
+</p:tagLst>
+</file>
+
+<file path=ppt/tags/tag9.xml><?xml version="1.0" encoding="utf-8"?>
 <p:tagLst xmlns:a="http://schemas.openxmlformats.org/drawingml/2006/main" xmlns:r="http://schemas.openxmlformats.org/officeDocument/2006/relationships" xmlns:p="http://schemas.openxmlformats.org/presentationml/2006/main">
   <p:tag name="POINTS" val="1"/>
   <p:tag name="TIME" val="15"/>

--- a/Hybrid Search Mid-point Presentation.pptx
+++ b/Hybrid Search Mid-point Presentation.pptx
@@ -5,10 +5,10 @@
     <p:sldMasterId id="2147483648" r:id="rId1"/>
   </p:sldMasterIdLst>
   <p:notesMasterIdLst>
-    <p:notesMasterId r:id="rId13"/>
+    <p:notesMasterId r:id="rId11"/>
   </p:notesMasterIdLst>
   <p:handoutMasterIdLst>
-    <p:handoutMasterId r:id="rId14"/>
+    <p:handoutMasterId r:id="rId12"/>
   </p:handoutMasterIdLst>
   <p:sldIdLst>
     <p:sldId id="256" r:id="rId2"/>
@@ -16,12 +16,10 @@
     <p:sldId id="266" r:id="rId4"/>
     <p:sldId id="268" r:id="rId5"/>
     <p:sldId id="267" r:id="rId6"/>
-    <p:sldId id="269" r:id="rId7"/>
-    <p:sldId id="270" r:id="rId8"/>
-    <p:sldId id="271" r:id="rId9"/>
-    <p:sldId id="272" r:id="rId10"/>
-    <p:sldId id="273" r:id="rId11"/>
-    <p:sldId id="274" r:id="rId12"/>
+    <p:sldId id="271" r:id="rId7"/>
+    <p:sldId id="272" r:id="rId8"/>
+    <p:sldId id="273" r:id="rId9"/>
+    <p:sldId id="274" r:id="rId10"/>
   </p:sldIdLst>
   <p:sldSz cx="12188825" cy="6858000"/>
   <p:notesSz cx="6858000" cy="9144000"/>
@@ -525,7 +523,6 @@
     </c:plotArea>
     <c:legend>
       <c:legendPos val="r"/>
-      <c:layout/>
       <c:overlay val="0"/>
       <c:spPr>
         <a:noFill/>
@@ -2319,21 +2316,21 @@
     </dgm:pt>
   </dgm:ptLst>
   <dgm:cxnLst>
+    <dgm:cxn modelId="{B0853F4E-0D10-4453-BA0F-87D700E6FDEE}" type="presOf" srcId="{7E2B8B4E-293F-43EE-AB7D-6598814ECB3C}" destId="{B3F8C3C3-65FB-486F-82C0-A8478B7022B9}" srcOrd="0" destOrd="0" presId="urn:microsoft.com/office/officeart/2005/8/layout/radial6"/>
+    <dgm:cxn modelId="{D34E2ED8-ECCD-4FDF-AE76-C792B052F77C}" type="presOf" srcId="{5C1F42F6-070E-4EBA-8EBC-C32D27C49363}" destId="{22CB3940-637A-4C32-AB7F-CFAD929A59AB}" srcOrd="0" destOrd="0" presId="urn:microsoft.com/office/officeart/2005/8/layout/radial6"/>
+    <dgm:cxn modelId="{63BD5587-3071-4797-BB80-7C21100AAD79}" type="presOf" srcId="{03860152-2A6F-476F-91FD-CBA9D7B26338}" destId="{FADEA337-AD34-4422-B53A-01423AF1AC8F}" srcOrd="0" destOrd="0" presId="urn:microsoft.com/office/officeart/2005/8/layout/radial6"/>
+    <dgm:cxn modelId="{18D120E8-5826-42E7-A890-F4AFB63D3D78}" srcId="{AA38CBC9-AC6B-457D-9F63-4D1AB8E7793E}" destId="{7E2B8B4E-293F-43EE-AB7D-6598814ECB3C}" srcOrd="3" destOrd="0" parTransId="{C9A52CF1-B2E8-4848-8964-6633294F16CC}" sibTransId="{03860152-2A6F-476F-91FD-CBA9D7B26338}"/>
+    <dgm:cxn modelId="{50E3B5F1-6595-4ED9-B849-AA5F6C21B078}" type="presOf" srcId="{AA38CBC9-AC6B-457D-9F63-4D1AB8E7793E}" destId="{D2BB9C9C-582A-4226-99A2-A6A4B7AD887A}" srcOrd="0" destOrd="0" presId="urn:microsoft.com/office/officeart/2005/8/layout/radial6"/>
+    <dgm:cxn modelId="{213B572F-3D42-4865-8468-2B23B55DDDF6}" type="presOf" srcId="{775D1C29-7B88-46A3-9FAD-95EFDC006E81}" destId="{65DE7562-7D1C-4B0F-8927-12F8E6C5F5AF}" srcOrd="0" destOrd="0" presId="urn:microsoft.com/office/officeart/2005/8/layout/radial6"/>
+    <dgm:cxn modelId="{5F25D665-3021-461A-AA8B-FC4CA49A8593}" type="presOf" srcId="{87E6D3C0-9C36-4C9B-9EE4-FCB2F172CF62}" destId="{1C226D9E-C8BD-43C0-B5A7-66592C02513E}" srcOrd="0" destOrd="0" presId="urn:microsoft.com/office/officeart/2005/8/layout/radial6"/>
+    <dgm:cxn modelId="{3E929F04-D66A-4ADD-A218-BA7B4D2C65EC}" type="presOf" srcId="{B04B74A7-039D-46F2-A30E-0D07E04CAE1A}" destId="{53B5DF5F-8B8B-41EF-8531-276CBECDCAB4}" srcOrd="0" destOrd="0" presId="urn:microsoft.com/office/officeart/2005/8/layout/radial6"/>
+    <dgm:cxn modelId="{9F2E5EDD-E3E4-45F7-937A-24FDB14700F0}" type="presOf" srcId="{50789F86-D3CE-4C0B-B830-60161BD38E85}" destId="{0B9D5D8D-AE9B-4E3C-8081-7E5A4C702F02}" srcOrd="0" destOrd="0" presId="urn:microsoft.com/office/officeart/2005/8/layout/radial6"/>
+    <dgm:cxn modelId="{FBE6BCEA-0F85-486D-B532-D55CCA25A01D}" srcId="{AA38CBC9-AC6B-457D-9F63-4D1AB8E7793E}" destId="{20EB584B-A7B7-43D9-BF6A-2C9338C05B4D}" srcOrd="2" destOrd="0" parTransId="{6E0D28F6-A05C-413F-A991-03D9F094F998}" sibTransId="{B04B74A7-039D-46F2-A30E-0D07E04CAE1A}"/>
+    <dgm:cxn modelId="{1593062C-A63F-4042-94C9-FF0880BD82E8}" srcId="{AA38CBC9-AC6B-457D-9F63-4D1AB8E7793E}" destId="{50789F86-D3CE-4C0B-B830-60161BD38E85}" srcOrd="0" destOrd="0" parTransId="{6D6B568F-9C4B-44DB-A886-035491FEC9C2}" sibTransId="{775D1C29-7B88-46A3-9FAD-95EFDC006E81}"/>
+    <dgm:cxn modelId="{F68BA8B4-E5E5-4A12-9338-5CF5693ADCA2}" srcId="{B8060F7B-9920-4F24-BE71-F0E4E3B7B934}" destId="{AA38CBC9-AC6B-457D-9F63-4D1AB8E7793E}" srcOrd="0" destOrd="0" parTransId="{02DFC051-974F-4AF1-85DB-FFF5F1CCD57A}" sibTransId="{7ACF197E-8A7D-4D14-A941-EE15BE87306C}"/>
+    <dgm:cxn modelId="{EB3E6C57-F560-450F-B619-F6F67905927D}" srcId="{AA38CBC9-AC6B-457D-9F63-4D1AB8E7793E}" destId="{87E6D3C0-9C36-4C9B-9EE4-FCB2F172CF62}" srcOrd="1" destOrd="0" parTransId="{1916856A-C084-48E2-AF18-70269AD79DF2}" sibTransId="{5C1F42F6-070E-4EBA-8EBC-C32D27C49363}"/>
     <dgm:cxn modelId="{66D10D89-90C6-4D3D-B022-615F34E0F6A8}" type="presOf" srcId="{B8060F7B-9920-4F24-BE71-F0E4E3B7B934}" destId="{B0C37B97-914B-49F2-84E5-94B39EF2352F}" srcOrd="0" destOrd="0" presId="urn:microsoft.com/office/officeart/2005/8/layout/radial6"/>
-    <dgm:cxn modelId="{EB3E6C57-F560-450F-B619-F6F67905927D}" srcId="{AA38CBC9-AC6B-457D-9F63-4D1AB8E7793E}" destId="{87E6D3C0-9C36-4C9B-9EE4-FCB2F172CF62}" srcOrd="1" destOrd="0" parTransId="{1916856A-C084-48E2-AF18-70269AD79DF2}" sibTransId="{5C1F42F6-070E-4EBA-8EBC-C32D27C49363}"/>
     <dgm:cxn modelId="{487B127C-E0EE-48AC-AACB-3F827CA01E94}" type="presOf" srcId="{20EB584B-A7B7-43D9-BF6A-2C9338C05B4D}" destId="{29DFD080-5F1B-4B82-A3B2-DA9D6DF3694E}" srcOrd="0" destOrd="0" presId="urn:microsoft.com/office/officeart/2005/8/layout/radial6"/>
-    <dgm:cxn modelId="{5F25D665-3021-461A-AA8B-FC4CA49A8593}" type="presOf" srcId="{87E6D3C0-9C36-4C9B-9EE4-FCB2F172CF62}" destId="{1C226D9E-C8BD-43C0-B5A7-66592C02513E}" srcOrd="0" destOrd="0" presId="urn:microsoft.com/office/officeart/2005/8/layout/radial6"/>
-    <dgm:cxn modelId="{63BD5587-3071-4797-BB80-7C21100AAD79}" type="presOf" srcId="{03860152-2A6F-476F-91FD-CBA9D7B26338}" destId="{FADEA337-AD34-4422-B53A-01423AF1AC8F}" srcOrd="0" destOrd="0" presId="urn:microsoft.com/office/officeart/2005/8/layout/radial6"/>
-    <dgm:cxn modelId="{FBE6BCEA-0F85-486D-B532-D55CCA25A01D}" srcId="{AA38CBC9-AC6B-457D-9F63-4D1AB8E7793E}" destId="{20EB584B-A7B7-43D9-BF6A-2C9338C05B4D}" srcOrd="2" destOrd="0" parTransId="{6E0D28F6-A05C-413F-A991-03D9F094F998}" sibTransId="{B04B74A7-039D-46F2-A30E-0D07E04CAE1A}"/>
-    <dgm:cxn modelId="{213B572F-3D42-4865-8468-2B23B55DDDF6}" type="presOf" srcId="{775D1C29-7B88-46A3-9FAD-95EFDC006E81}" destId="{65DE7562-7D1C-4B0F-8927-12F8E6C5F5AF}" srcOrd="0" destOrd="0" presId="urn:microsoft.com/office/officeart/2005/8/layout/radial6"/>
-    <dgm:cxn modelId="{50E3B5F1-6595-4ED9-B849-AA5F6C21B078}" type="presOf" srcId="{AA38CBC9-AC6B-457D-9F63-4D1AB8E7793E}" destId="{D2BB9C9C-582A-4226-99A2-A6A4B7AD887A}" srcOrd="0" destOrd="0" presId="urn:microsoft.com/office/officeart/2005/8/layout/radial6"/>
-    <dgm:cxn modelId="{9F2E5EDD-E3E4-45F7-937A-24FDB14700F0}" type="presOf" srcId="{50789F86-D3CE-4C0B-B830-60161BD38E85}" destId="{0B9D5D8D-AE9B-4E3C-8081-7E5A4C702F02}" srcOrd="0" destOrd="0" presId="urn:microsoft.com/office/officeart/2005/8/layout/radial6"/>
-    <dgm:cxn modelId="{1593062C-A63F-4042-94C9-FF0880BD82E8}" srcId="{AA38CBC9-AC6B-457D-9F63-4D1AB8E7793E}" destId="{50789F86-D3CE-4C0B-B830-60161BD38E85}" srcOrd="0" destOrd="0" parTransId="{6D6B568F-9C4B-44DB-A886-035491FEC9C2}" sibTransId="{775D1C29-7B88-46A3-9FAD-95EFDC006E81}"/>
-    <dgm:cxn modelId="{B0853F4E-0D10-4453-BA0F-87D700E6FDEE}" type="presOf" srcId="{7E2B8B4E-293F-43EE-AB7D-6598814ECB3C}" destId="{B3F8C3C3-65FB-486F-82C0-A8478B7022B9}" srcOrd="0" destOrd="0" presId="urn:microsoft.com/office/officeart/2005/8/layout/radial6"/>
-    <dgm:cxn modelId="{F68BA8B4-E5E5-4A12-9338-5CF5693ADCA2}" srcId="{B8060F7B-9920-4F24-BE71-F0E4E3B7B934}" destId="{AA38CBC9-AC6B-457D-9F63-4D1AB8E7793E}" srcOrd="0" destOrd="0" parTransId="{02DFC051-974F-4AF1-85DB-FFF5F1CCD57A}" sibTransId="{7ACF197E-8A7D-4D14-A941-EE15BE87306C}"/>
-    <dgm:cxn modelId="{3E929F04-D66A-4ADD-A218-BA7B4D2C65EC}" type="presOf" srcId="{B04B74A7-039D-46F2-A30E-0D07E04CAE1A}" destId="{53B5DF5F-8B8B-41EF-8531-276CBECDCAB4}" srcOrd="0" destOrd="0" presId="urn:microsoft.com/office/officeart/2005/8/layout/radial6"/>
-    <dgm:cxn modelId="{18D120E8-5826-42E7-A890-F4AFB63D3D78}" srcId="{AA38CBC9-AC6B-457D-9F63-4D1AB8E7793E}" destId="{7E2B8B4E-293F-43EE-AB7D-6598814ECB3C}" srcOrd="3" destOrd="0" parTransId="{C9A52CF1-B2E8-4848-8964-6633294F16CC}" sibTransId="{03860152-2A6F-476F-91FD-CBA9D7B26338}"/>
-    <dgm:cxn modelId="{D34E2ED8-ECCD-4FDF-AE76-C792B052F77C}" type="presOf" srcId="{5C1F42F6-070E-4EBA-8EBC-C32D27C49363}" destId="{22CB3940-637A-4C32-AB7F-CFAD929A59AB}" srcOrd="0" destOrd="0" presId="urn:microsoft.com/office/officeart/2005/8/layout/radial6"/>
     <dgm:cxn modelId="{F8374B3E-B514-46DF-94C4-AF94CDD1D72A}" type="presParOf" srcId="{B0C37B97-914B-49F2-84E5-94B39EF2352F}" destId="{D2BB9C9C-582A-4226-99A2-A6A4B7AD887A}" srcOrd="0" destOrd="0" presId="urn:microsoft.com/office/officeart/2005/8/layout/radial6"/>
     <dgm:cxn modelId="{B24EE426-834F-4DD6-9375-8641C6E734A6}" type="presParOf" srcId="{B0C37B97-914B-49F2-84E5-94B39EF2352F}" destId="{0B9D5D8D-AE9B-4E3C-8081-7E5A4C702F02}" srcOrd="1" destOrd="0" presId="urn:microsoft.com/office/officeart/2005/8/layout/radial6"/>
     <dgm:cxn modelId="{57EC5C98-3760-48A4-BD0C-E28EDE5F22FF}" type="presParOf" srcId="{B0C37B97-914B-49F2-84E5-94B39EF2352F}" destId="{E8755371-EE00-4D9C-9546-B5D2DEB3691D}" srcOrd="2" destOrd="0" presId="urn:microsoft.com/office/officeart/2005/8/layout/radial6"/>
@@ -4467,7 +4464,7 @@
           <a:p>
             <a:fld id="{24CE221E-83ED-4F6C-BA5F-3F9E6FDB6953}" type="datetimeFigureOut">
               <a:rPr lang="en-US"/>
-              <a:t>6/8/2018</a:t>
+              <a:t>6/11/2018</a:t>
             </a:fld>
             <a:endParaRPr/>
           </a:p>
@@ -4632,7 +4629,7 @@
           <a:p>
             <a:fld id="{97853E5F-CE67-483C-A264-F17AC70E9CA2}" type="datetimeFigureOut">
               <a:rPr lang="en-US"/>
-              <a:t>6/8/2018</a:t>
+              <a:t>6/11/2018</a:t>
             </a:fld>
             <a:endParaRPr/>
           </a:p>
@@ -5129,7 +5126,7 @@
           <a:p>
             <a:fld id="{3E0FA9E5-6744-4841-888F-9E7CC0C2B7EC}" type="datetimeFigureOut">
               <a:rPr lang="en-US"/>
-              <a:t>6/8/2018</a:t>
+              <a:t>6/11/2018</a:t>
             </a:fld>
             <a:endParaRPr/>
           </a:p>
@@ -5315,7 +5312,7 @@
           <a:p>
             <a:fld id="{3E0FA9E5-6744-4841-888F-9E7CC0C2B7EC}" type="datetimeFigureOut">
               <a:rPr lang="en-US"/>
-              <a:t>6/8/2018</a:t>
+              <a:t>6/11/2018</a:t>
             </a:fld>
             <a:endParaRPr/>
           </a:p>
@@ -5511,7 +5508,7 @@
           <a:p>
             <a:fld id="{3E0FA9E5-6744-4841-888F-9E7CC0C2B7EC}" type="datetimeFigureOut">
               <a:rPr lang="en-US"/>
-              <a:t>6/8/2018</a:t>
+              <a:t>6/11/2018</a:t>
             </a:fld>
             <a:endParaRPr/>
           </a:p>
@@ -5697,7 +5694,7 @@
           <a:p>
             <a:fld id="{3E0FA9E5-6744-4841-888F-9E7CC0C2B7EC}" type="datetimeFigureOut">
               <a:rPr lang="en-US"/>
-              <a:t>6/8/2018</a:t>
+              <a:t>6/11/2018</a:t>
             </a:fld>
             <a:endParaRPr/>
           </a:p>
@@ -5981,7 +5978,7 @@
           <a:p>
             <a:fld id="{3E0FA9E5-6744-4841-888F-9E7CC0C2B7EC}" type="datetimeFigureOut">
               <a:rPr lang="en-US"/>
-              <a:t>6/8/2018</a:t>
+              <a:t>6/11/2018</a:t>
             </a:fld>
             <a:endParaRPr/>
           </a:p>
@@ -6289,7 +6286,7 @@
           <a:p>
             <a:fld id="{3E0FA9E5-6744-4841-888F-9E7CC0C2B7EC}" type="datetimeFigureOut">
               <a:rPr lang="en-US"/>
-              <a:t>6/8/2018</a:t>
+              <a:t>6/11/2018</a:t>
             </a:fld>
             <a:endParaRPr/>
           </a:p>
@@ -6741,7 +6738,7 @@
           <a:p>
             <a:fld id="{3E0FA9E5-6744-4841-888F-9E7CC0C2B7EC}" type="datetimeFigureOut">
               <a:rPr lang="en-US"/>
-              <a:t>6/8/2018</a:t>
+              <a:t>6/11/2018</a:t>
             </a:fld>
             <a:endParaRPr/>
           </a:p>
@@ -6875,7 +6872,7 @@
           <a:p>
             <a:fld id="{3E0FA9E5-6744-4841-888F-9E7CC0C2B7EC}" type="datetimeFigureOut">
               <a:rPr lang="en-US"/>
-              <a:t>6/8/2018</a:t>
+              <a:t>6/11/2018</a:t>
             </a:fld>
             <a:endParaRPr/>
           </a:p>
@@ -7000,7 +6997,7 @@
           <a:p>
             <a:fld id="{3E0FA9E5-6744-4841-888F-9E7CC0C2B7EC}" type="datetimeFigureOut">
               <a:rPr lang="en-US"/>
-              <a:t>6/8/2018</a:t>
+              <a:t>6/11/2018</a:t>
             </a:fld>
             <a:endParaRPr/>
           </a:p>
@@ -7326,7 +7323,7 @@
           <a:p>
             <a:fld id="{3E0FA9E5-6744-4841-888F-9E7CC0C2B7EC}" type="datetimeFigureOut">
               <a:rPr lang="en-US"/>
-              <a:t>6/8/2018</a:t>
+              <a:t>6/11/2018</a:t>
             </a:fld>
             <a:endParaRPr/>
           </a:p>
@@ -7823,7 +7820,7 @@
             <a:fld id="{3E0FA9E5-6744-4841-888F-9E7CC0C2B7EC}" type="datetimeFigureOut">
               <a:rPr lang="en-US" smtClean="0"/>
               <a:pPr/>
-              <a:t>6/8/2018</a:t>
+              <a:t>6/11/2018</a:t>
             </a:fld>
             <a:endParaRPr lang="en-US" dirty="0"/>
           </a:p>
@@ -8809,209 +8806,6 @@
 </p:sld>
 </file>
 
-<file path=ppt/slides/slide10.xml><?xml version="1.0" encoding="utf-8"?>
-<p:sld xmlns:a="http://schemas.openxmlformats.org/drawingml/2006/main" xmlns:r="http://schemas.openxmlformats.org/officeDocument/2006/relationships" xmlns:p="http://schemas.openxmlformats.org/presentationml/2006/main">
-  <p:cSld>
-    <p:spTree>
-      <p:nvGrpSpPr>
-        <p:cNvPr id="1" name=""/>
-        <p:cNvGrpSpPr/>
-        <p:nvPr/>
-      </p:nvGrpSpPr>
-      <p:grpSpPr>
-        <a:xfrm>
-          <a:off x="0" y="0"/>
-          <a:ext cx="0" cy="0"/>
-          <a:chOff x="0" y="0"/>
-          <a:chExt cx="0" cy="0"/>
-        </a:xfrm>
-      </p:grpSpPr>
-      <p:sp>
-        <p:nvSpPr>
-          <p:cNvPr id="2" name="Title 1"/>
-          <p:cNvSpPr>
-            <a:spLocks noGrp="1"/>
-          </p:cNvSpPr>
-          <p:nvPr>
-            <p:ph type="title"/>
-          </p:nvPr>
-        </p:nvSpPr>
-        <p:spPr/>
-        <p:txBody>
-          <a:bodyPr/>
-          <a:lstStyle/>
-          <a:p>
-            <a:r>
-              <a:rPr lang="en-US" dirty="0"/>
-              <a:t>Add a Slide Title - 4</a:t>
-            </a:r>
-          </a:p>
-        </p:txBody>
-      </p:sp>
-      <p:sp>
-        <p:nvSpPr>
-          <p:cNvPr id="3" name="Content Placeholder 2"/>
-          <p:cNvSpPr>
-            <a:spLocks noGrp="1"/>
-          </p:cNvSpPr>
-          <p:nvPr>
-            <p:ph idx="1"/>
-          </p:nvPr>
-        </p:nvSpPr>
-        <p:spPr/>
-        <p:txBody>
-          <a:bodyPr/>
-          <a:lstStyle/>
-          <a:p>
-            <a:endParaRPr lang="en-US"/>
-          </a:p>
-        </p:txBody>
-      </p:sp>
-      <p:sp>
-        <p:nvSpPr>
-          <p:cNvPr id="4" name="Text Placeholder 3"/>
-          <p:cNvSpPr>
-            <a:spLocks noGrp="1"/>
-          </p:cNvSpPr>
-          <p:nvPr>
-            <p:ph type="body" sz="half" idx="2"/>
-          </p:nvPr>
-        </p:nvSpPr>
-        <p:spPr/>
-        <p:txBody>
-          <a:bodyPr/>
-          <a:lstStyle/>
-          <a:p>
-            <a:endParaRPr lang="en-US"/>
-          </a:p>
-        </p:txBody>
-      </p:sp>
-    </p:spTree>
-    <p:custDataLst>
-      <p:tags r:id="rId1"/>
-    </p:custDataLst>
-    <p:extLst>
-      <p:ext uri="{BB962C8B-B14F-4D97-AF65-F5344CB8AC3E}">
-        <p14:creationId xmlns:p14="http://schemas.microsoft.com/office/powerpoint/2010/main" val="4224210779"/>
-      </p:ext>
-    </p:extLst>
-  </p:cSld>
-  <p:clrMapOvr>
-    <a:masterClrMapping/>
-  </p:clrMapOvr>
-  <mc:AlternateContent xmlns:mc="http://schemas.openxmlformats.org/markup-compatibility/2006" xmlns:p14="http://schemas.microsoft.com/office/powerpoint/2010/main">
-    <mc:Choice Requires="p14">
-      <p:transition spd="med" p14:dur="700">
-        <p:fade/>
-      </p:transition>
-    </mc:Choice>
-    <mc:Fallback xmlns="">
-      <p:transition spd="med">
-        <p:fade/>
-      </p:transition>
-    </mc:Fallback>
-  </mc:AlternateContent>
-</p:sld>
-</file>
-
-<file path=ppt/slides/slide11.xml><?xml version="1.0" encoding="utf-8"?>
-<p:sld xmlns:a="http://schemas.openxmlformats.org/drawingml/2006/main" xmlns:r="http://schemas.openxmlformats.org/officeDocument/2006/relationships" xmlns:p="http://schemas.openxmlformats.org/presentationml/2006/main">
-  <p:cSld>
-    <p:spTree>
-      <p:nvGrpSpPr>
-        <p:cNvPr id="1" name=""/>
-        <p:cNvGrpSpPr/>
-        <p:nvPr/>
-      </p:nvGrpSpPr>
-      <p:grpSpPr>
-        <a:xfrm>
-          <a:off x="0" y="0"/>
-          <a:ext cx="0" cy="0"/>
-          <a:chOff x="0" y="0"/>
-          <a:chExt cx="0" cy="0"/>
-        </a:xfrm>
-      </p:grpSpPr>
-      <p:sp>
-        <p:nvSpPr>
-          <p:cNvPr id="2" name="Title 1"/>
-          <p:cNvSpPr>
-            <a:spLocks noGrp="1"/>
-          </p:cNvSpPr>
-          <p:nvPr>
-            <p:ph type="title"/>
-          </p:nvPr>
-        </p:nvSpPr>
-        <p:spPr/>
-        <p:txBody>
-          <a:bodyPr/>
-          <a:lstStyle/>
-          <a:p>
-            <a:r>
-              <a:rPr lang="en-US" dirty="0"/>
-              <a:t>Add a Slide Title - 5</a:t>
-            </a:r>
-          </a:p>
-        </p:txBody>
-      </p:sp>
-      <p:sp>
-        <p:nvSpPr>
-          <p:cNvPr id="3" name="Picture Placeholder 2" descr="An empty placeholder to add an image. Click on the placeholder and select the image that you wish to add"/>
-          <p:cNvSpPr>
-            <a:spLocks noGrp="1"/>
-          </p:cNvSpPr>
-          <p:nvPr>
-            <p:ph type="pic" idx="1"/>
-          </p:nvPr>
-        </p:nvSpPr>
-        <p:spPr/>
-      </p:sp>
-      <p:sp>
-        <p:nvSpPr>
-          <p:cNvPr id="4" name="Text Placeholder 3"/>
-          <p:cNvSpPr>
-            <a:spLocks noGrp="1"/>
-          </p:cNvSpPr>
-          <p:nvPr>
-            <p:ph type="body" sz="half" idx="2"/>
-          </p:nvPr>
-        </p:nvSpPr>
-        <p:spPr/>
-        <p:txBody>
-          <a:bodyPr/>
-          <a:lstStyle/>
-          <a:p>
-            <a:endParaRPr lang="en-US"/>
-          </a:p>
-        </p:txBody>
-      </p:sp>
-    </p:spTree>
-    <p:custDataLst>
-      <p:tags r:id="rId1"/>
-    </p:custDataLst>
-    <p:extLst>
-      <p:ext uri="{BB962C8B-B14F-4D97-AF65-F5344CB8AC3E}">
-        <p14:creationId xmlns:p14="http://schemas.microsoft.com/office/powerpoint/2010/main" val="2600559644"/>
-      </p:ext>
-    </p:extLst>
-  </p:cSld>
-  <p:clrMapOvr>
-    <a:masterClrMapping/>
-  </p:clrMapOvr>
-  <mc:AlternateContent xmlns:mc="http://schemas.openxmlformats.org/markup-compatibility/2006" xmlns:p14="http://schemas.microsoft.com/office/powerpoint/2010/main">
-    <mc:Choice Requires="p14">
-      <p:transition spd="med" p14:dur="700">
-        <p:fade/>
-      </p:transition>
-    </mc:Choice>
-    <mc:Fallback xmlns="">
-      <p:transition spd="med">
-        <p:fade/>
-      </p:transition>
-    </mc:Fallback>
-  </mc:AlternateContent>
-</p:sld>
-</file>
-
 <file path=ppt/slides/slide2.xml><?xml version="1.0" encoding="utf-8"?>
 <p:sld xmlns:a="http://schemas.openxmlformats.org/drawingml/2006/main" xmlns:r="http://schemas.openxmlformats.org/officeDocument/2006/relationships" xmlns:p="http://schemas.openxmlformats.org/presentationml/2006/main">
   <p:cSld>
@@ -9740,28 +9534,224 @@
           <a:lstStyle/>
           <a:p>
             <a:r>
-              <a:rPr lang="en-US" dirty="0"/>
-              <a:t>Add a Slide Title - 1</a:t>
+              <a:rPr lang="en-US" dirty="0" smtClean="0"/>
+              <a:t>			</a:t>
             </a:r>
+            <a:r>
+              <a:rPr lang="en-US" sz="4800" dirty="0" smtClean="0"/>
+              <a:t>Technology used</a:t>
+            </a:r>
+            <a:endParaRPr lang="en-US" sz="4800" dirty="0"/>
           </a:p>
         </p:txBody>
       </p:sp>
+      <p:pic>
+        <p:nvPicPr>
+          <p:cNvPr id="3" name="Picture 2"/>
+          <p:cNvPicPr>
+            <a:picLocks noChangeAspect="1"/>
+          </p:cNvPicPr>
+          <p:nvPr/>
+        </p:nvPicPr>
+        <p:blipFill>
+          <a:blip r:embed="rId3">
+            <a:extLst>
+              <a:ext uri="{28A0092B-C50C-407E-A947-70E740481C1C}">
+                <a14:useLocalDpi xmlns:a14="http://schemas.microsoft.com/office/drawing/2010/main" val="0"/>
+              </a:ext>
+            </a:extLst>
+          </a:blip>
+          <a:stretch>
+            <a:fillRect/>
+          </a:stretch>
+        </p:blipFill>
+        <p:spPr>
+          <a:xfrm>
+            <a:off x="1341884" y="1700808"/>
+            <a:ext cx="2607307" cy="2088232"/>
+          </a:xfrm>
+          <a:prstGeom prst="rect">
+            <a:avLst/>
+          </a:prstGeom>
+        </p:spPr>
+      </p:pic>
+      <p:pic>
+        <p:nvPicPr>
+          <p:cNvPr id="4" name="Picture 3"/>
+          <p:cNvPicPr>
+            <a:picLocks noChangeAspect="1"/>
+          </p:cNvPicPr>
+          <p:nvPr/>
+        </p:nvPicPr>
+        <p:blipFill>
+          <a:blip r:embed="rId4">
+            <a:extLst>
+              <a:ext uri="{28A0092B-C50C-407E-A947-70E740481C1C}">
+                <a14:useLocalDpi xmlns:a14="http://schemas.microsoft.com/office/drawing/2010/main" val="0"/>
+              </a:ext>
+            </a:extLst>
+          </a:blip>
+          <a:stretch>
+            <a:fillRect/>
+          </a:stretch>
+        </p:blipFill>
+        <p:spPr>
+          <a:xfrm>
+            <a:off x="8236626" y="3819378"/>
+            <a:ext cx="2143125" cy="2143125"/>
+          </a:xfrm>
+          <a:prstGeom prst="rect">
+            <a:avLst/>
+          </a:prstGeom>
+        </p:spPr>
+      </p:pic>
+      <p:pic>
+        <p:nvPicPr>
+          <p:cNvPr id="5" name="Picture 4"/>
+          <p:cNvPicPr>
+            <a:picLocks noChangeAspect="1"/>
+          </p:cNvPicPr>
+          <p:nvPr/>
+        </p:nvPicPr>
+        <p:blipFill>
+          <a:blip r:embed="rId5">
+            <a:extLst>
+              <a:ext uri="{28A0092B-C50C-407E-A947-70E740481C1C}">
+                <a14:useLocalDpi xmlns:a14="http://schemas.microsoft.com/office/drawing/2010/main" val="0"/>
+              </a:ext>
+            </a:extLst>
+          </a:blip>
+          <a:stretch>
+            <a:fillRect/>
+          </a:stretch>
+        </p:blipFill>
+        <p:spPr>
+          <a:xfrm>
+            <a:off x="8027077" y="1873386"/>
+            <a:ext cx="2562225" cy="1781175"/>
+          </a:xfrm>
+          <a:prstGeom prst="rect">
+            <a:avLst/>
+          </a:prstGeom>
+        </p:spPr>
+      </p:pic>
+      <p:pic>
+        <p:nvPicPr>
+          <p:cNvPr id="6" name="Picture 5"/>
+          <p:cNvPicPr>
+            <a:picLocks noChangeAspect="1"/>
+          </p:cNvPicPr>
+          <p:nvPr/>
+        </p:nvPicPr>
+        <p:blipFill>
+          <a:blip r:embed="rId6">
+            <a:extLst>
+              <a:ext uri="{28A0092B-C50C-407E-A947-70E740481C1C}">
+                <a14:useLocalDpi xmlns:a14="http://schemas.microsoft.com/office/drawing/2010/main" val="0"/>
+              </a:ext>
+            </a:extLst>
+          </a:blip>
+          <a:stretch>
+            <a:fillRect/>
+          </a:stretch>
+        </p:blipFill>
+        <p:spPr>
+          <a:xfrm>
+            <a:off x="1154874" y="3853658"/>
+            <a:ext cx="2981325" cy="1533525"/>
+          </a:xfrm>
+          <a:prstGeom prst="rect">
+            <a:avLst/>
+          </a:prstGeom>
+        </p:spPr>
+      </p:pic>
+      <p:pic>
+        <p:nvPicPr>
+          <p:cNvPr id="8" name="Picture 7"/>
+          <p:cNvPicPr>
+            <a:picLocks noChangeAspect="1"/>
+          </p:cNvPicPr>
+          <p:nvPr/>
+        </p:nvPicPr>
+        <p:blipFill>
+          <a:blip r:embed="rId7">
+            <a:extLst>
+              <a:ext uri="{28A0092B-C50C-407E-A947-70E740481C1C}">
+                <a14:useLocalDpi xmlns:a14="http://schemas.microsoft.com/office/drawing/2010/main" val="0"/>
+              </a:ext>
+            </a:extLst>
+          </a:blip>
+          <a:stretch>
+            <a:fillRect/>
+          </a:stretch>
+        </p:blipFill>
+        <p:spPr>
+          <a:xfrm>
+            <a:off x="4654252" y="1873386"/>
+            <a:ext cx="2619375" cy="1743075"/>
+          </a:xfrm>
+          <a:prstGeom prst="rect">
+            <a:avLst/>
+          </a:prstGeom>
+        </p:spPr>
+      </p:pic>
+      <p:pic>
+        <p:nvPicPr>
+          <p:cNvPr id="9" name="Picture 8"/>
+          <p:cNvPicPr>
+            <a:picLocks noChangeAspect="1"/>
+          </p:cNvPicPr>
+          <p:nvPr/>
+        </p:nvPicPr>
+        <p:blipFill>
+          <a:blip r:embed="rId8">
+            <a:extLst>
+              <a:ext uri="{28A0092B-C50C-407E-A947-70E740481C1C}">
+                <a14:useLocalDpi xmlns:a14="http://schemas.microsoft.com/office/drawing/2010/main" val="0"/>
+              </a:ext>
+            </a:extLst>
+          </a:blip>
+          <a:stretch>
+            <a:fillRect/>
+          </a:stretch>
+        </p:blipFill>
+        <p:spPr>
+          <a:xfrm>
+            <a:off x="4882852" y="3835583"/>
+            <a:ext cx="2390775" cy="1914525"/>
+          </a:xfrm>
+          <a:prstGeom prst="rect">
+            <a:avLst/>
+          </a:prstGeom>
+        </p:spPr>
+      </p:pic>
       <p:sp>
         <p:nvSpPr>
-          <p:cNvPr id="3" name="Text Placeholder 2"/>
-          <p:cNvSpPr>
-            <a:spLocks noGrp="1"/>
-          </p:cNvSpPr>
-          <p:nvPr>
-            <p:ph type="body" idx="1"/>
-          </p:nvPr>
+          <p:cNvPr id="11" name="TextBox 10"/>
+          <p:cNvSpPr txBox="1"/>
+          <p:nvPr/>
         </p:nvSpPr>
-        <p:spPr/>
+        <p:spPr>
+          <a:xfrm>
+            <a:off x="4510236" y="6381328"/>
+            <a:ext cx="1710725" cy="369332"/>
+          </a:xfrm>
+          <a:prstGeom prst="rect">
+            <a:avLst/>
+          </a:prstGeom>
+          <a:noFill/>
+        </p:spPr>
         <p:txBody>
-          <a:bodyPr/>
+          <a:bodyPr wrap="none" rtlCol="0">
+            <a:spAutoFit/>
+          </a:bodyPr>
           <a:lstStyle/>
           <a:p>
-            <a:endParaRPr lang="en-US"/>
+            <a:r>
+              <a:rPr lang="en-GB" dirty="0" smtClean="0"/>
+              <a:t>Google Domain</a:t>
+            </a:r>
+            <a:endParaRPr lang="en-IE" dirty="0"/>
           </a:p>
         </p:txBody>
       </p:sp>
@@ -9771,7 +9761,7 @@
     </p:custDataLst>
     <p:extLst>
       <p:ext uri="{BB962C8B-B14F-4D97-AF65-F5344CB8AC3E}">
-        <p14:creationId xmlns:p14="http://schemas.microsoft.com/office/powerpoint/2010/main" val="4131172139"/>
+        <p14:creationId xmlns:p14="http://schemas.microsoft.com/office/powerpoint/2010/main" val="1689064566"/>
       </p:ext>
     </p:extLst>
   </p:cSld>
@@ -9810,111 +9800,13 @@
           <a:chExt cx="0" cy="0"/>
         </a:xfrm>
       </p:grpSpPr>
-      <p:sp>
-        <p:nvSpPr>
-          <p:cNvPr id="2" name="Title 1"/>
-          <p:cNvSpPr>
-            <a:spLocks noGrp="1"/>
-          </p:cNvSpPr>
-          <p:nvPr>
-            <p:ph type="title"/>
-          </p:nvPr>
-        </p:nvSpPr>
-        <p:spPr/>
-        <p:txBody>
-          <a:bodyPr/>
-          <a:lstStyle/>
-          <a:p>
-            <a:r>
-              <a:rPr lang="en-US" dirty="0"/>
-              <a:t>Add a Slide Title - 2</a:t>
-            </a:r>
-          </a:p>
-        </p:txBody>
-      </p:sp>
-      <p:sp>
-        <p:nvSpPr>
-          <p:cNvPr id="3" name="Text Placeholder 2"/>
-          <p:cNvSpPr>
-            <a:spLocks noGrp="1"/>
-          </p:cNvSpPr>
-          <p:nvPr>
-            <p:ph type="body" idx="1"/>
-          </p:nvPr>
-        </p:nvSpPr>
-        <p:spPr/>
-        <p:txBody>
-          <a:bodyPr/>
-          <a:lstStyle/>
-          <a:p>
-            <a:endParaRPr lang="en-US"/>
-          </a:p>
-        </p:txBody>
-      </p:sp>
-      <p:sp>
-        <p:nvSpPr>
-          <p:cNvPr id="4" name="Content Placeholder 3"/>
-          <p:cNvSpPr>
-            <a:spLocks noGrp="1"/>
-          </p:cNvSpPr>
-          <p:nvPr>
-            <p:ph sz="half" idx="2"/>
-          </p:nvPr>
-        </p:nvSpPr>
-        <p:spPr/>
-        <p:txBody>
-          <a:bodyPr/>
-          <a:lstStyle/>
-          <a:p>
-            <a:endParaRPr lang="en-US"/>
-          </a:p>
-        </p:txBody>
-      </p:sp>
-      <p:sp>
-        <p:nvSpPr>
-          <p:cNvPr id="5" name="Text Placeholder 4"/>
-          <p:cNvSpPr>
-            <a:spLocks noGrp="1"/>
-          </p:cNvSpPr>
-          <p:nvPr>
-            <p:ph type="body" sz="quarter" idx="3"/>
-          </p:nvPr>
-        </p:nvSpPr>
-        <p:spPr/>
-        <p:txBody>
-          <a:bodyPr/>
-          <a:lstStyle/>
-          <a:p>
-            <a:endParaRPr lang="en-US"/>
-          </a:p>
-        </p:txBody>
-      </p:sp>
-      <p:sp>
-        <p:nvSpPr>
-          <p:cNvPr id="6" name="Content Placeholder 5"/>
-          <p:cNvSpPr>
-            <a:spLocks noGrp="1"/>
-          </p:cNvSpPr>
-          <p:nvPr>
-            <p:ph sz="quarter" idx="4"/>
-          </p:nvPr>
-        </p:nvSpPr>
-        <p:spPr/>
-        <p:txBody>
-          <a:bodyPr/>
-          <a:lstStyle/>
-          <a:p>
-            <a:endParaRPr lang="en-US"/>
-          </a:p>
-        </p:txBody>
-      </p:sp>
     </p:spTree>
     <p:custDataLst>
       <p:tags r:id="rId1"/>
     </p:custDataLst>
     <p:extLst>
       <p:ext uri="{BB962C8B-B14F-4D97-AF65-F5344CB8AC3E}">
-        <p14:creationId xmlns:p14="http://schemas.microsoft.com/office/powerpoint/2010/main" val="83189735"/>
+        <p14:creationId xmlns:p14="http://schemas.microsoft.com/office/powerpoint/2010/main" val="1641407705"/>
       </p:ext>
     </p:extLst>
   </p:cSld>
@@ -9970,8 +9862,46 @@
           <a:p>
             <a:r>
               <a:rPr lang="en-US" dirty="0"/>
-              <a:t>Add a Slide Title - 3</a:t>
+              <a:t>Add a Slide Title - 4</a:t>
             </a:r>
+          </a:p>
+        </p:txBody>
+      </p:sp>
+      <p:sp>
+        <p:nvSpPr>
+          <p:cNvPr id="3" name="Content Placeholder 2"/>
+          <p:cNvSpPr>
+            <a:spLocks noGrp="1"/>
+          </p:cNvSpPr>
+          <p:nvPr>
+            <p:ph idx="1"/>
+          </p:nvPr>
+        </p:nvSpPr>
+        <p:spPr/>
+        <p:txBody>
+          <a:bodyPr/>
+          <a:lstStyle/>
+          <a:p>
+            <a:endParaRPr lang="en-US"/>
+          </a:p>
+        </p:txBody>
+      </p:sp>
+      <p:sp>
+        <p:nvSpPr>
+          <p:cNvPr id="4" name="Text Placeholder 3"/>
+          <p:cNvSpPr>
+            <a:spLocks noGrp="1"/>
+          </p:cNvSpPr>
+          <p:nvPr>
+            <p:ph type="body" sz="half" idx="2"/>
+          </p:nvPr>
+        </p:nvSpPr>
+        <p:spPr/>
+        <p:txBody>
+          <a:bodyPr/>
+          <a:lstStyle/>
+          <a:p>
+            <a:endParaRPr lang="en-US"/>
           </a:p>
         </p:txBody>
       </p:sp>
@@ -9981,7 +9911,7 @@
     </p:custDataLst>
     <p:extLst>
       <p:ext uri="{BB962C8B-B14F-4D97-AF65-F5344CB8AC3E}">
-        <p14:creationId xmlns:p14="http://schemas.microsoft.com/office/powerpoint/2010/main" val="1689064566"/>
+        <p14:creationId xmlns:p14="http://schemas.microsoft.com/office/powerpoint/2010/main" val="4224210779"/>
       </p:ext>
     </p:extLst>
   </p:cSld>
@@ -10020,13 +9950,66 @@
           <a:chExt cx="0" cy="0"/>
         </a:xfrm>
       </p:grpSpPr>
+      <p:sp>
+        <p:nvSpPr>
+          <p:cNvPr id="2" name="Title 1"/>
+          <p:cNvSpPr>
+            <a:spLocks noGrp="1"/>
+          </p:cNvSpPr>
+          <p:nvPr>
+            <p:ph type="title"/>
+          </p:nvPr>
+        </p:nvSpPr>
+        <p:spPr/>
+        <p:txBody>
+          <a:bodyPr/>
+          <a:lstStyle/>
+          <a:p>
+            <a:r>
+              <a:rPr lang="en-US" dirty="0"/>
+              <a:t>Add a Slide Title - 5</a:t>
+            </a:r>
+          </a:p>
+        </p:txBody>
+      </p:sp>
+      <p:sp>
+        <p:nvSpPr>
+          <p:cNvPr id="3" name="Picture Placeholder 2" descr="An empty placeholder to add an image. Click on the placeholder and select the image that you wish to add"/>
+          <p:cNvSpPr>
+            <a:spLocks noGrp="1"/>
+          </p:cNvSpPr>
+          <p:nvPr>
+            <p:ph type="pic" idx="1"/>
+          </p:nvPr>
+        </p:nvSpPr>
+        <p:spPr/>
+      </p:sp>
+      <p:sp>
+        <p:nvSpPr>
+          <p:cNvPr id="4" name="Text Placeholder 3"/>
+          <p:cNvSpPr>
+            <a:spLocks noGrp="1"/>
+          </p:cNvSpPr>
+          <p:nvPr>
+            <p:ph type="body" sz="half" idx="2"/>
+          </p:nvPr>
+        </p:nvSpPr>
+        <p:spPr/>
+        <p:txBody>
+          <a:bodyPr/>
+          <a:lstStyle/>
+          <a:p>
+            <a:endParaRPr lang="en-US"/>
+          </a:p>
+        </p:txBody>
+      </p:sp>
     </p:spTree>
     <p:custDataLst>
       <p:tags r:id="rId1"/>
     </p:custDataLst>
     <p:extLst>
       <p:ext uri="{BB962C8B-B14F-4D97-AF65-F5344CB8AC3E}">
-        <p14:creationId xmlns:p14="http://schemas.microsoft.com/office/powerpoint/2010/main" val="1641407705"/>
+        <p14:creationId xmlns:p14="http://schemas.microsoft.com/office/powerpoint/2010/main" val="2600559644"/>
       </p:ext>
     </p:extLst>
   </p:cSld>
@@ -10049,20 +10032,6 @@
 </file>
 
 <file path=ppt/tags/tag1.xml><?xml version="1.0" encoding="utf-8"?>
-<p:tagLst xmlns:a="http://schemas.openxmlformats.org/drawingml/2006/main" xmlns:r="http://schemas.openxmlformats.org/officeDocument/2006/relationships" xmlns:p="http://schemas.openxmlformats.org/presentationml/2006/main">
-  <p:tag name="POINTS" val="1"/>
-  <p:tag name="TIME" val="15"/>
-</p:tagLst>
-</file>
-
-<file path=ppt/tags/tag10.xml><?xml version="1.0" encoding="utf-8"?>
-<p:tagLst xmlns:a="http://schemas.openxmlformats.org/drawingml/2006/main" xmlns:r="http://schemas.openxmlformats.org/officeDocument/2006/relationships" xmlns:p="http://schemas.openxmlformats.org/presentationml/2006/main">
-  <p:tag name="POINTS" val="1"/>
-  <p:tag name="TIME" val="15"/>
-</p:tagLst>
-</file>
-
-<file path=ppt/tags/tag11.xml><?xml version="1.0" encoding="utf-8"?>
 <p:tagLst xmlns:a="http://schemas.openxmlformats.org/drawingml/2006/main" xmlns:r="http://schemas.openxmlformats.org/officeDocument/2006/relationships" xmlns:p="http://schemas.openxmlformats.org/presentationml/2006/main">
   <p:tag name="POINTS" val="1"/>
   <p:tag name="TIME" val="15"/>

--- a/Hybrid Search Mid-point Presentation.pptx
+++ b/Hybrid Search Mid-point Presentation.pptx
@@ -523,6 +523,7 @@
     </c:plotArea>
     <c:legend>
       <c:legendPos val="r"/>
+      <c:layout/>
       <c:overlay val="0"/>
       <c:spPr>
         <a:noFill/>
@@ -2316,21 +2317,21 @@
     </dgm:pt>
   </dgm:ptLst>
   <dgm:cxnLst>
+    <dgm:cxn modelId="{66D10D89-90C6-4D3D-B022-615F34E0F6A8}" type="presOf" srcId="{B8060F7B-9920-4F24-BE71-F0E4E3B7B934}" destId="{B0C37B97-914B-49F2-84E5-94B39EF2352F}" srcOrd="0" destOrd="0" presId="urn:microsoft.com/office/officeart/2005/8/layout/radial6"/>
+    <dgm:cxn modelId="{EB3E6C57-F560-450F-B619-F6F67905927D}" srcId="{AA38CBC9-AC6B-457D-9F63-4D1AB8E7793E}" destId="{87E6D3C0-9C36-4C9B-9EE4-FCB2F172CF62}" srcOrd="1" destOrd="0" parTransId="{1916856A-C084-48E2-AF18-70269AD79DF2}" sibTransId="{5C1F42F6-070E-4EBA-8EBC-C32D27C49363}"/>
+    <dgm:cxn modelId="{487B127C-E0EE-48AC-AACB-3F827CA01E94}" type="presOf" srcId="{20EB584B-A7B7-43D9-BF6A-2C9338C05B4D}" destId="{29DFD080-5F1B-4B82-A3B2-DA9D6DF3694E}" srcOrd="0" destOrd="0" presId="urn:microsoft.com/office/officeart/2005/8/layout/radial6"/>
+    <dgm:cxn modelId="{5F25D665-3021-461A-AA8B-FC4CA49A8593}" type="presOf" srcId="{87E6D3C0-9C36-4C9B-9EE4-FCB2F172CF62}" destId="{1C226D9E-C8BD-43C0-B5A7-66592C02513E}" srcOrd="0" destOrd="0" presId="urn:microsoft.com/office/officeart/2005/8/layout/radial6"/>
+    <dgm:cxn modelId="{63BD5587-3071-4797-BB80-7C21100AAD79}" type="presOf" srcId="{03860152-2A6F-476F-91FD-CBA9D7B26338}" destId="{FADEA337-AD34-4422-B53A-01423AF1AC8F}" srcOrd="0" destOrd="0" presId="urn:microsoft.com/office/officeart/2005/8/layout/radial6"/>
+    <dgm:cxn modelId="{FBE6BCEA-0F85-486D-B532-D55CCA25A01D}" srcId="{AA38CBC9-AC6B-457D-9F63-4D1AB8E7793E}" destId="{20EB584B-A7B7-43D9-BF6A-2C9338C05B4D}" srcOrd="2" destOrd="0" parTransId="{6E0D28F6-A05C-413F-A991-03D9F094F998}" sibTransId="{B04B74A7-039D-46F2-A30E-0D07E04CAE1A}"/>
+    <dgm:cxn modelId="{213B572F-3D42-4865-8468-2B23B55DDDF6}" type="presOf" srcId="{775D1C29-7B88-46A3-9FAD-95EFDC006E81}" destId="{65DE7562-7D1C-4B0F-8927-12F8E6C5F5AF}" srcOrd="0" destOrd="0" presId="urn:microsoft.com/office/officeart/2005/8/layout/radial6"/>
+    <dgm:cxn modelId="{50E3B5F1-6595-4ED9-B849-AA5F6C21B078}" type="presOf" srcId="{AA38CBC9-AC6B-457D-9F63-4D1AB8E7793E}" destId="{D2BB9C9C-582A-4226-99A2-A6A4B7AD887A}" srcOrd="0" destOrd="0" presId="urn:microsoft.com/office/officeart/2005/8/layout/radial6"/>
+    <dgm:cxn modelId="{9F2E5EDD-E3E4-45F7-937A-24FDB14700F0}" type="presOf" srcId="{50789F86-D3CE-4C0B-B830-60161BD38E85}" destId="{0B9D5D8D-AE9B-4E3C-8081-7E5A4C702F02}" srcOrd="0" destOrd="0" presId="urn:microsoft.com/office/officeart/2005/8/layout/radial6"/>
+    <dgm:cxn modelId="{1593062C-A63F-4042-94C9-FF0880BD82E8}" srcId="{AA38CBC9-AC6B-457D-9F63-4D1AB8E7793E}" destId="{50789F86-D3CE-4C0B-B830-60161BD38E85}" srcOrd="0" destOrd="0" parTransId="{6D6B568F-9C4B-44DB-A886-035491FEC9C2}" sibTransId="{775D1C29-7B88-46A3-9FAD-95EFDC006E81}"/>
     <dgm:cxn modelId="{B0853F4E-0D10-4453-BA0F-87D700E6FDEE}" type="presOf" srcId="{7E2B8B4E-293F-43EE-AB7D-6598814ECB3C}" destId="{B3F8C3C3-65FB-486F-82C0-A8478B7022B9}" srcOrd="0" destOrd="0" presId="urn:microsoft.com/office/officeart/2005/8/layout/radial6"/>
+    <dgm:cxn modelId="{F68BA8B4-E5E5-4A12-9338-5CF5693ADCA2}" srcId="{B8060F7B-9920-4F24-BE71-F0E4E3B7B934}" destId="{AA38CBC9-AC6B-457D-9F63-4D1AB8E7793E}" srcOrd="0" destOrd="0" parTransId="{02DFC051-974F-4AF1-85DB-FFF5F1CCD57A}" sibTransId="{7ACF197E-8A7D-4D14-A941-EE15BE87306C}"/>
+    <dgm:cxn modelId="{3E929F04-D66A-4ADD-A218-BA7B4D2C65EC}" type="presOf" srcId="{B04B74A7-039D-46F2-A30E-0D07E04CAE1A}" destId="{53B5DF5F-8B8B-41EF-8531-276CBECDCAB4}" srcOrd="0" destOrd="0" presId="urn:microsoft.com/office/officeart/2005/8/layout/radial6"/>
+    <dgm:cxn modelId="{18D120E8-5826-42E7-A890-F4AFB63D3D78}" srcId="{AA38CBC9-AC6B-457D-9F63-4D1AB8E7793E}" destId="{7E2B8B4E-293F-43EE-AB7D-6598814ECB3C}" srcOrd="3" destOrd="0" parTransId="{C9A52CF1-B2E8-4848-8964-6633294F16CC}" sibTransId="{03860152-2A6F-476F-91FD-CBA9D7B26338}"/>
     <dgm:cxn modelId="{D34E2ED8-ECCD-4FDF-AE76-C792B052F77C}" type="presOf" srcId="{5C1F42F6-070E-4EBA-8EBC-C32D27C49363}" destId="{22CB3940-637A-4C32-AB7F-CFAD929A59AB}" srcOrd="0" destOrd="0" presId="urn:microsoft.com/office/officeart/2005/8/layout/radial6"/>
-    <dgm:cxn modelId="{63BD5587-3071-4797-BB80-7C21100AAD79}" type="presOf" srcId="{03860152-2A6F-476F-91FD-CBA9D7B26338}" destId="{FADEA337-AD34-4422-B53A-01423AF1AC8F}" srcOrd="0" destOrd="0" presId="urn:microsoft.com/office/officeart/2005/8/layout/radial6"/>
-    <dgm:cxn modelId="{18D120E8-5826-42E7-A890-F4AFB63D3D78}" srcId="{AA38CBC9-AC6B-457D-9F63-4D1AB8E7793E}" destId="{7E2B8B4E-293F-43EE-AB7D-6598814ECB3C}" srcOrd="3" destOrd="0" parTransId="{C9A52CF1-B2E8-4848-8964-6633294F16CC}" sibTransId="{03860152-2A6F-476F-91FD-CBA9D7B26338}"/>
-    <dgm:cxn modelId="{50E3B5F1-6595-4ED9-B849-AA5F6C21B078}" type="presOf" srcId="{AA38CBC9-AC6B-457D-9F63-4D1AB8E7793E}" destId="{D2BB9C9C-582A-4226-99A2-A6A4B7AD887A}" srcOrd="0" destOrd="0" presId="urn:microsoft.com/office/officeart/2005/8/layout/radial6"/>
-    <dgm:cxn modelId="{213B572F-3D42-4865-8468-2B23B55DDDF6}" type="presOf" srcId="{775D1C29-7B88-46A3-9FAD-95EFDC006E81}" destId="{65DE7562-7D1C-4B0F-8927-12F8E6C5F5AF}" srcOrd="0" destOrd="0" presId="urn:microsoft.com/office/officeart/2005/8/layout/radial6"/>
-    <dgm:cxn modelId="{5F25D665-3021-461A-AA8B-FC4CA49A8593}" type="presOf" srcId="{87E6D3C0-9C36-4C9B-9EE4-FCB2F172CF62}" destId="{1C226D9E-C8BD-43C0-B5A7-66592C02513E}" srcOrd="0" destOrd="0" presId="urn:microsoft.com/office/officeart/2005/8/layout/radial6"/>
-    <dgm:cxn modelId="{3E929F04-D66A-4ADD-A218-BA7B4D2C65EC}" type="presOf" srcId="{B04B74A7-039D-46F2-A30E-0D07E04CAE1A}" destId="{53B5DF5F-8B8B-41EF-8531-276CBECDCAB4}" srcOrd="0" destOrd="0" presId="urn:microsoft.com/office/officeart/2005/8/layout/radial6"/>
-    <dgm:cxn modelId="{9F2E5EDD-E3E4-45F7-937A-24FDB14700F0}" type="presOf" srcId="{50789F86-D3CE-4C0B-B830-60161BD38E85}" destId="{0B9D5D8D-AE9B-4E3C-8081-7E5A4C702F02}" srcOrd="0" destOrd="0" presId="urn:microsoft.com/office/officeart/2005/8/layout/radial6"/>
-    <dgm:cxn modelId="{FBE6BCEA-0F85-486D-B532-D55CCA25A01D}" srcId="{AA38CBC9-AC6B-457D-9F63-4D1AB8E7793E}" destId="{20EB584B-A7B7-43D9-BF6A-2C9338C05B4D}" srcOrd="2" destOrd="0" parTransId="{6E0D28F6-A05C-413F-A991-03D9F094F998}" sibTransId="{B04B74A7-039D-46F2-A30E-0D07E04CAE1A}"/>
-    <dgm:cxn modelId="{1593062C-A63F-4042-94C9-FF0880BD82E8}" srcId="{AA38CBC9-AC6B-457D-9F63-4D1AB8E7793E}" destId="{50789F86-D3CE-4C0B-B830-60161BD38E85}" srcOrd="0" destOrd="0" parTransId="{6D6B568F-9C4B-44DB-A886-035491FEC9C2}" sibTransId="{775D1C29-7B88-46A3-9FAD-95EFDC006E81}"/>
-    <dgm:cxn modelId="{F68BA8B4-E5E5-4A12-9338-5CF5693ADCA2}" srcId="{B8060F7B-9920-4F24-BE71-F0E4E3B7B934}" destId="{AA38CBC9-AC6B-457D-9F63-4D1AB8E7793E}" srcOrd="0" destOrd="0" parTransId="{02DFC051-974F-4AF1-85DB-FFF5F1CCD57A}" sibTransId="{7ACF197E-8A7D-4D14-A941-EE15BE87306C}"/>
-    <dgm:cxn modelId="{EB3E6C57-F560-450F-B619-F6F67905927D}" srcId="{AA38CBC9-AC6B-457D-9F63-4D1AB8E7793E}" destId="{87E6D3C0-9C36-4C9B-9EE4-FCB2F172CF62}" srcOrd="1" destOrd="0" parTransId="{1916856A-C084-48E2-AF18-70269AD79DF2}" sibTransId="{5C1F42F6-070E-4EBA-8EBC-C32D27C49363}"/>
-    <dgm:cxn modelId="{66D10D89-90C6-4D3D-B022-615F34E0F6A8}" type="presOf" srcId="{B8060F7B-9920-4F24-BE71-F0E4E3B7B934}" destId="{B0C37B97-914B-49F2-84E5-94B39EF2352F}" srcOrd="0" destOrd="0" presId="urn:microsoft.com/office/officeart/2005/8/layout/radial6"/>
-    <dgm:cxn modelId="{487B127C-E0EE-48AC-AACB-3F827CA01E94}" type="presOf" srcId="{20EB584B-A7B7-43D9-BF6A-2C9338C05B4D}" destId="{29DFD080-5F1B-4B82-A3B2-DA9D6DF3694E}" srcOrd="0" destOrd="0" presId="urn:microsoft.com/office/officeart/2005/8/layout/radial6"/>
     <dgm:cxn modelId="{F8374B3E-B514-46DF-94C4-AF94CDD1D72A}" type="presParOf" srcId="{B0C37B97-914B-49F2-84E5-94B39EF2352F}" destId="{D2BB9C9C-582A-4226-99A2-A6A4B7AD887A}" srcOrd="0" destOrd="0" presId="urn:microsoft.com/office/officeart/2005/8/layout/radial6"/>
     <dgm:cxn modelId="{B24EE426-834F-4DD6-9375-8641C6E734A6}" type="presParOf" srcId="{B0C37B97-914B-49F2-84E5-94B39EF2352F}" destId="{0B9D5D8D-AE9B-4E3C-8081-7E5A4C702F02}" srcOrd="1" destOrd="0" presId="urn:microsoft.com/office/officeart/2005/8/layout/radial6"/>
     <dgm:cxn modelId="{57EC5C98-3760-48A4-BD0C-E28EDE5F22FF}" type="presParOf" srcId="{B0C37B97-914B-49F2-84E5-94B39EF2352F}" destId="{E8755371-EE00-4D9C-9546-B5D2DEB3691D}" srcOrd="2" destOrd="0" presId="urn:microsoft.com/office/officeart/2005/8/layout/radial6"/>
@@ -9734,7 +9735,7 @@
         <p:spPr>
           <a:xfrm>
             <a:off x="4510236" y="6381328"/>
-            <a:ext cx="1710725" cy="369332"/>
+            <a:ext cx="1628972" cy="369332"/>
           </a:xfrm>
           <a:prstGeom prst="rect">
             <a:avLst/>
@@ -9749,7 +9750,15 @@
           <a:p>
             <a:r>
               <a:rPr lang="en-GB" dirty="0" smtClean="0"/>
-              <a:t>Google Domain</a:t>
+              <a:t>Public</a:t>
+            </a:r>
+            <a:r>
+              <a:rPr lang="en-GB" dirty="0" smtClean="0"/>
+              <a:t> </a:t>
+            </a:r>
+            <a:r>
+              <a:rPr lang="en-GB" dirty="0" smtClean="0"/>
+              <a:t>Domain</a:t>
             </a:r>
             <a:endParaRPr lang="en-IE" dirty="0"/>
           </a:p>
